--- a/Projekty/Projekt1/Pawlikowski_Szmajdziński/wum-proj1.pptx
+++ b/Projekty/Projekt1/Pawlikowski_Szmajdziński/wum-proj1.pptx
@@ -131,6 +131,83 @@
 </p:presentation>
 </file>
 
+<file path=ppt/revisionInfo.xml><?xml version="1.0" encoding="utf-8"?>
+<p1510:revInfo xmlns:a="http://schemas.openxmlformats.org/drawingml/2006/main" xmlns:r="http://schemas.openxmlformats.org/officeDocument/2006/relationships" xmlns:p1510="http://schemas.microsoft.com/office/powerpoint/2015/10/main">
+  <p1510:revLst>
+    <p1510:client id="{2F1DFCA2-0292-456E-988E-82A1811F6D71}" v="4" dt="2021-04-26T11:17:53.306"/>
+    <p1510:client id="{541D1120-4A0D-46EE-895E-4A60A8A47BF4}" v="73" dt="2021-04-26T11:17:31.083"/>
+  </p1510:revLst>
+</p1510:revInfo>
+</file>
+
+<file path=ppt/changesInfos/changesInfo1.xml><?xml version="1.0" encoding="utf-8"?>
+<pc:chgInfo xmlns:a="http://schemas.openxmlformats.org/drawingml/2006/main" xmlns:r="http://schemas.openxmlformats.org/officeDocument/2006/relationships" xmlns:ac="http://schemas.microsoft.com/office/drawing/2013/main/command" xmlns:pc="http://schemas.microsoft.com/office/powerpoint/2013/main/command">
+  <pc:docChgLst>
+    <pc:chgData name="Szmajdziński Szymon (STUD)" userId="S::01151438@pw.edu.pl::62fa74c4-54cd-4ef8-bddf-6fdd32bb6915" providerId="AD" clId="Web-{541D1120-4A0D-46EE-895E-4A60A8A47BF4}"/>
+    <pc:docChg chg="modSld">
+      <pc:chgData name="Szmajdziński Szymon (STUD)" userId="S::01151438@pw.edu.pl::62fa74c4-54cd-4ef8-bddf-6fdd32bb6915" providerId="AD" clId="Web-{541D1120-4A0D-46EE-895E-4A60A8A47BF4}" dt="2021-04-26T11:17:31.083" v="34" actId="20577"/>
+      <pc:docMkLst>
+        <pc:docMk/>
+      </pc:docMkLst>
+      <pc:sldChg chg="modSp">
+        <pc:chgData name="Szmajdziński Szymon (STUD)" userId="S::01151438@pw.edu.pl::62fa74c4-54cd-4ef8-bddf-6fdd32bb6915" providerId="AD" clId="Web-{541D1120-4A0D-46EE-895E-4A60A8A47BF4}" dt="2021-04-26T11:16:35.113" v="11" actId="20577"/>
+        <pc:sldMkLst>
+          <pc:docMk/>
+          <pc:sldMk cId="743040765" sldId="264"/>
+        </pc:sldMkLst>
+        <pc:spChg chg="mod">
+          <ac:chgData name="Szmajdziński Szymon (STUD)" userId="S::01151438@pw.edu.pl::62fa74c4-54cd-4ef8-bddf-6fdd32bb6915" providerId="AD" clId="Web-{541D1120-4A0D-46EE-895E-4A60A8A47BF4}" dt="2021-04-26T11:16:35.113" v="11" actId="20577"/>
+          <ac:spMkLst>
+            <pc:docMk/>
+            <pc:sldMk cId="743040765" sldId="264"/>
+            <ac:spMk id="3" creationId="{F668F90E-875F-4490-B807-69836CC64182}"/>
+          </ac:spMkLst>
+        </pc:spChg>
+      </pc:sldChg>
+      <pc:sldChg chg="modSp">
+        <pc:chgData name="Szmajdziński Szymon (STUD)" userId="S::01151438@pw.edu.pl::62fa74c4-54cd-4ef8-bddf-6fdd32bb6915" providerId="AD" clId="Web-{541D1120-4A0D-46EE-895E-4A60A8A47BF4}" dt="2021-04-26T11:17:31.083" v="34" actId="20577"/>
+        <pc:sldMkLst>
+          <pc:docMk/>
+          <pc:sldMk cId="472650229" sldId="268"/>
+        </pc:sldMkLst>
+        <pc:spChg chg="mod">
+          <ac:chgData name="Szmajdziński Szymon (STUD)" userId="S::01151438@pw.edu.pl::62fa74c4-54cd-4ef8-bddf-6fdd32bb6915" providerId="AD" clId="Web-{541D1120-4A0D-46EE-895E-4A60A8A47BF4}" dt="2021-04-26T11:17:31.083" v="34" actId="20577"/>
+          <ac:spMkLst>
+            <pc:docMk/>
+            <pc:sldMk cId="472650229" sldId="268"/>
+            <ac:spMk id="3" creationId="{663BFFB0-3281-4806-B540-2D1F3124F0A7}"/>
+          </ac:spMkLst>
+        </pc:spChg>
+      </pc:sldChg>
+    </pc:docChg>
+  </pc:docChgLst>
+  <pc:docChgLst>
+    <pc:chgData name="Szmajdziński Szymon (STUD)" userId="S::01151438@pw.edu.pl::62fa74c4-54cd-4ef8-bddf-6fdd32bb6915" providerId="AD" clId="Web-{2F1DFCA2-0292-456E-988E-82A1811F6D71}"/>
+    <pc:docChg chg="modSld">
+      <pc:chgData name="Szmajdziński Szymon (STUD)" userId="S::01151438@pw.edu.pl::62fa74c4-54cd-4ef8-bddf-6fdd32bb6915" providerId="AD" clId="Web-{2F1DFCA2-0292-456E-988E-82A1811F6D71}" dt="2021-04-26T11:17:47.774" v="0" actId="20577"/>
+      <pc:docMkLst>
+        <pc:docMk/>
+      </pc:docMkLst>
+      <pc:sldChg chg="modSp">
+        <pc:chgData name="Szmajdziński Szymon (STUD)" userId="S::01151438@pw.edu.pl::62fa74c4-54cd-4ef8-bddf-6fdd32bb6915" providerId="AD" clId="Web-{2F1DFCA2-0292-456E-988E-82A1811F6D71}" dt="2021-04-26T11:17:47.774" v="0" actId="20577"/>
+        <pc:sldMkLst>
+          <pc:docMk/>
+          <pc:sldMk cId="472650229" sldId="268"/>
+        </pc:sldMkLst>
+        <pc:spChg chg="mod">
+          <ac:chgData name="Szmajdziński Szymon (STUD)" userId="S::01151438@pw.edu.pl::62fa74c4-54cd-4ef8-bddf-6fdd32bb6915" providerId="AD" clId="Web-{2F1DFCA2-0292-456E-988E-82A1811F6D71}" dt="2021-04-26T11:17:47.774" v="0" actId="20577"/>
+          <ac:spMkLst>
+            <pc:docMk/>
+            <pc:sldMk cId="472650229" sldId="268"/>
+            <ac:spMk id="3" creationId="{663BFFB0-3281-4806-B540-2D1F3124F0A7}"/>
+          </ac:spMkLst>
+        </pc:spChg>
+      </pc:sldChg>
+    </pc:docChg>
+  </pc:docChgLst>
+</pc:chgInfo>
+</file>
+
 <file path=ppt/slideLayouts/slideLayout1.xml><?xml version="1.0" encoding="utf-8"?>
 <p:sldLayout xmlns:a="http://schemas.openxmlformats.org/drawingml/2006/main" xmlns:r="http://schemas.openxmlformats.org/officeDocument/2006/relationships" xmlns:p="http://schemas.openxmlformats.org/presentationml/2006/main" showMasterSp="0" type="title" preserve="1">
   <p:cSld name="Slajd tytułowy">
@@ -853,7 +930,7 @@
           <a:p>
             <a:fld id="{8AF8E304-27CB-49B8-B1DA-E1BF6359F86F}" type="datetimeFigureOut">
               <a:rPr lang="pl-PL" smtClean="0"/>
-              <a:t>20.04.2021</a:t>
+              <a:t>26.04.2021</a:t>
             </a:fld>
             <a:endParaRPr lang="pl-PL"/>
           </a:p>
@@ -1104,7 +1181,7 @@
           <a:p>
             <a:fld id="{8AF8E304-27CB-49B8-B1DA-E1BF6359F86F}" type="datetimeFigureOut">
               <a:rPr lang="pl-PL" smtClean="0"/>
-              <a:t>20.04.2021</a:t>
+              <a:t>26.04.2021</a:t>
             </a:fld>
             <a:endParaRPr lang="pl-PL"/>
           </a:p>
@@ -1418,7 +1495,7 @@
           <a:p>
             <a:fld id="{8AF8E304-27CB-49B8-B1DA-E1BF6359F86F}" type="datetimeFigureOut">
               <a:rPr lang="pl-PL" smtClean="0"/>
-              <a:t>20.04.2021</a:t>
+              <a:t>26.04.2021</a:t>
             </a:fld>
             <a:endParaRPr lang="pl-PL"/>
           </a:p>
@@ -1759,7 +1836,7 @@
           <a:p>
             <a:fld id="{8AF8E304-27CB-49B8-B1DA-E1BF6359F86F}" type="datetimeFigureOut">
               <a:rPr lang="pl-PL" smtClean="0"/>
-              <a:t>20.04.2021</a:t>
+              <a:t>26.04.2021</a:t>
             </a:fld>
             <a:endParaRPr lang="pl-PL"/>
           </a:p>
@@ -2073,7 +2150,7 @@
           <a:p>
             <a:fld id="{8AF8E304-27CB-49B8-B1DA-E1BF6359F86F}" type="datetimeFigureOut">
               <a:rPr lang="pl-PL" smtClean="0"/>
-              <a:t>20.04.2021</a:t>
+              <a:t>26.04.2021</a:t>
             </a:fld>
             <a:endParaRPr lang="pl-PL"/>
           </a:p>
@@ -2466,7 +2543,7 @@
           <a:p>
             <a:fld id="{8AF8E304-27CB-49B8-B1DA-E1BF6359F86F}" type="datetimeFigureOut">
               <a:rPr lang="pl-PL" smtClean="0"/>
-              <a:t>20.04.2021</a:t>
+              <a:t>26.04.2021</a:t>
             </a:fld>
             <a:endParaRPr lang="pl-PL"/>
           </a:p>
@@ -2636,7 +2713,7 @@
           <a:p>
             <a:fld id="{8AF8E304-27CB-49B8-B1DA-E1BF6359F86F}" type="datetimeFigureOut">
               <a:rPr lang="pl-PL" smtClean="0"/>
-              <a:t>20.04.2021</a:t>
+              <a:t>26.04.2021</a:t>
             </a:fld>
             <a:endParaRPr lang="pl-PL"/>
           </a:p>
@@ -2816,7 +2893,7 @@
           <a:p>
             <a:fld id="{8AF8E304-27CB-49B8-B1DA-E1BF6359F86F}" type="datetimeFigureOut">
               <a:rPr lang="pl-PL" smtClean="0"/>
-              <a:t>20.04.2021</a:t>
+              <a:t>26.04.2021</a:t>
             </a:fld>
             <a:endParaRPr lang="pl-PL"/>
           </a:p>
@@ -2992,7 +3069,7 @@
           <a:p>
             <a:fld id="{8AF8E304-27CB-49B8-B1DA-E1BF6359F86F}" type="datetimeFigureOut">
               <a:rPr lang="pl-PL" smtClean="0"/>
-              <a:t>20.04.2021</a:t>
+              <a:t>26.04.2021</a:t>
             </a:fld>
             <a:endParaRPr lang="pl-PL"/>
           </a:p>
@@ -3239,7 +3316,7 @@
           <a:p>
             <a:fld id="{8AF8E304-27CB-49B8-B1DA-E1BF6359F86F}" type="datetimeFigureOut">
               <a:rPr lang="pl-PL" smtClean="0"/>
-              <a:t>20.04.2021</a:t>
+              <a:t>26.04.2021</a:t>
             </a:fld>
             <a:endParaRPr lang="pl-PL"/>
           </a:p>
@@ -3471,7 +3548,7 @@
           <a:p>
             <a:fld id="{8AF8E304-27CB-49B8-B1DA-E1BF6359F86F}" type="datetimeFigureOut">
               <a:rPr lang="pl-PL" smtClean="0"/>
-              <a:t>20.04.2021</a:t>
+              <a:t>26.04.2021</a:t>
             </a:fld>
             <a:endParaRPr lang="pl-PL"/>
           </a:p>
@@ -3845,7 +3922,7 @@
           <a:p>
             <a:fld id="{8AF8E304-27CB-49B8-B1DA-E1BF6359F86F}" type="datetimeFigureOut">
               <a:rPr lang="pl-PL" smtClean="0"/>
-              <a:t>20.04.2021</a:t>
+              <a:t>26.04.2021</a:t>
             </a:fld>
             <a:endParaRPr lang="pl-PL"/>
           </a:p>
@@ -3968,7 +4045,7 @@
           <a:p>
             <a:fld id="{8AF8E304-27CB-49B8-B1DA-E1BF6359F86F}" type="datetimeFigureOut">
               <a:rPr lang="pl-PL" smtClean="0"/>
-              <a:t>20.04.2021</a:t>
+              <a:t>26.04.2021</a:t>
             </a:fld>
             <a:endParaRPr lang="pl-PL"/>
           </a:p>
@@ -4063,7 +4140,7 @@
           <a:p>
             <a:fld id="{8AF8E304-27CB-49B8-B1DA-E1BF6359F86F}" type="datetimeFigureOut">
               <a:rPr lang="pl-PL" smtClean="0"/>
-              <a:t>20.04.2021</a:t>
+              <a:t>26.04.2021</a:t>
             </a:fld>
             <a:endParaRPr lang="pl-PL"/>
           </a:p>
@@ -4318,7 +4395,7 @@
           <a:p>
             <a:fld id="{8AF8E304-27CB-49B8-B1DA-E1BF6359F86F}" type="datetimeFigureOut">
               <a:rPr lang="pl-PL" smtClean="0"/>
-              <a:t>20.04.2021</a:t>
+              <a:t>26.04.2021</a:t>
             </a:fld>
             <a:endParaRPr lang="pl-PL"/>
           </a:p>
@@ -4581,7 +4658,7 @@
           <a:p>
             <a:fld id="{8AF8E304-27CB-49B8-B1DA-E1BF6359F86F}" type="datetimeFigureOut">
               <a:rPr lang="pl-PL" smtClean="0"/>
-              <a:t>20.04.2021</a:t>
+              <a:t>26.04.2021</a:t>
             </a:fld>
             <a:endParaRPr lang="pl-PL"/>
           </a:p>
@@ -5324,7 +5401,7 @@
           <a:p>
             <a:fld id="{8AF8E304-27CB-49B8-B1DA-E1BF6359F86F}" type="datetimeFigureOut">
               <a:rPr lang="pl-PL" smtClean="0"/>
-              <a:t>20.04.2021</a:t>
+              <a:t>26.04.2021</a:t>
             </a:fld>
             <a:endParaRPr lang="pl-PL"/>
           </a:p>
@@ -6006,7 +6083,9 @@
         </p:nvSpPr>
         <p:spPr/>
         <p:txBody>
-          <a:bodyPr/>
+          <a:bodyPr vert="horz" lIns="91440" tIns="45720" rIns="91440" bIns="45720" rtlCol="0" anchor="t">
+            <a:normAutofit/>
+          </a:bodyPr>
           <a:lstStyle/>
           <a:p>
             <a:pPr marL="0" indent="0">
@@ -6069,7 +6148,7 @@
             </a:r>
             <a:r>
               <a:rPr lang="pl-PL" dirty="0"/>
-              <a:t>. </a:t>
+              <a:t>.  </a:t>
             </a:r>
           </a:p>
           <a:p>
@@ -6158,7 +6237,9 @@
         </p:nvSpPr>
         <p:spPr/>
         <p:txBody>
-          <a:bodyPr/>
+          <a:bodyPr vert="horz" lIns="91440" tIns="45720" rIns="91440" bIns="45720" rtlCol="0" anchor="t">
+            <a:normAutofit/>
+          </a:bodyPr>
           <a:lstStyle/>
           <a:p>
             <a:pPr marL="0" indent="0">
@@ -6174,8 +6255,22 @@
             </a:r>
             <a:r>
               <a:rPr lang="pl-PL" dirty="0"/>
-              <a:t> byłyby zdecydowanie bardziej użyteczne, dlatego rozpoczęliśmy właśnie od nich. Niestety żadne z próbowanych przez nas podejść nie dało nam wyniku lepszego niż 0.5. Postanowiliśmy więc zawrzeć dane z kolumn G1 i G2 w naszych modelach.</a:t>
-            </a:r>
+              <a:t> byłyby zdecydowanie bardziej użyteczne, dlatego rozpoczęliśmy właśnie od nich. Niestety żadne z próbowanych przez nas podejść nie dało nam wyniku lepszego niż 0.5. Postanowiliśmy więc zawrzeć dane z kolumn G1 i G2 w naszych modelach. Model regresji liniowej wybraliśmy jako nasz </a:t>
+            </a:r>
+            <a:r>
+              <a:rPr lang="pl-PL" dirty="0" err="1"/>
+              <a:t>baseline</a:t>
+            </a:r>
+            <a:r>
+              <a:rPr lang="pl-PL" dirty="0"/>
+              <a:t>.</a:t>
+            </a:r>
+          </a:p>
+          <a:p>
+            <a:pPr marL="0" indent="0">
+              <a:buNone/>
+            </a:pPr>
+            <a:endParaRPr lang="pl-PL" dirty="0"/>
           </a:p>
         </p:txBody>
       </p:sp>
@@ -6194,7 +6289,7 @@
           <p:nvPr>
             <p:extLst>
               <p:ext uri="{D42A27DB-BD31-4B8C-83A1-F6EECF244321}">
-                <p14:modId xmlns:p14="http://schemas.microsoft.com/office/powerpoint/2010/main" val="1087004031"/>
+                <p14:modId xmlns:p14="http://schemas.microsoft.com/office/powerpoint/2010/main" val="284881288"/>
               </p:ext>
             </p:extLst>
           </p:nvPr>
@@ -6267,13 +6362,8 @@
                     <a:p>
                       <a:r>
                         <a:rPr lang="pl-PL" dirty="0"/>
-                        <a:t>Best </a:t>
+                        <a:t>R^2</a:t>
                       </a:r>
-                      <a:r>
-                        <a:rPr lang="pl-PL" dirty="0" err="1"/>
-                        <a:t>score</a:t>
-                      </a:r>
-                      <a:endParaRPr lang="pl-PL" dirty="0"/>
                     </a:p>
                     <a:p>
                       <a:r>
@@ -6291,13 +6381,8 @@
                     <a:p>
                       <a:r>
                         <a:rPr lang="pl-PL" dirty="0"/>
-                        <a:t>Best </a:t>
+                        <a:t>R^2</a:t>
                       </a:r>
-                      <a:r>
-                        <a:rPr lang="pl-PL" dirty="0" err="1"/>
-                        <a:t>score</a:t>
-                      </a:r>
-                      <a:endParaRPr lang="pl-PL" dirty="0"/>
                     </a:p>
                     <a:p>
                       <a:r>
@@ -7204,7 +7289,7 @@
           <p:nvPr>
             <p:extLst>
               <p:ext uri="{D42A27DB-BD31-4B8C-83A1-F6EECF244321}">
-                <p14:modId xmlns:p14="http://schemas.microsoft.com/office/powerpoint/2010/main" val="3883128622"/>
+                <p14:modId xmlns:p14="http://schemas.microsoft.com/office/powerpoint/2010/main" val="2516174045"/>
               </p:ext>
             </p:extLst>
           </p:nvPr>
@@ -7263,7 +7348,7 @@
                     <a:p>
                       <a:r>
                         <a:rPr lang="pl-PL" dirty="0"/>
-                        <a:t>Wynik bez podziału</a:t>
+                        <a:t>Wynik bez podziału(R^2)</a:t>
                       </a:r>
                     </a:p>
                   </a:txBody>
@@ -7276,7 +7361,7 @@
                     <a:p>
                       <a:r>
                         <a:rPr lang="pl-PL" dirty="0"/>
-                        <a:t>Wynik po podziale</a:t>
+                        <a:t>Wynik po podziale(R^2)</a:t>
                       </a:r>
                     </a:p>
                   </a:txBody>
@@ -7446,7 +7531,7 @@
           <p:nvPr>
             <p:extLst>
               <p:ext uri="{D42A27DB-BD31-4B8C-83A1-F6EECF244321}">
-                <p14:modId xmlns:p14="http://schemas.microsoft.com/office/powerpoint/2010/main" val="2818335114"/>
+                <p14:modId xmlns:p14="http://schemas.microsoft.com/office/powerpoint/2010/main" val="1165186912"/>
               </p:ext>
             </p:extLst>
           </p:nvPr>
@@ -7500,9 +7585,10 @@
                     <a:lstStyle/>
                     <a:p>
                       <a:r>
-                        <a:rPr lang="pl-PL" dirty="0"/>
-                        <a:t>Wynik</a:t>
+                        <a:rPr lang="pl-PL" dirty="0" err="1"/>
+                        <a:t>Accuracy</a:t>
                       </a:r>
+                      <a:endParaRPr lang="pl-PL" dirty="0"/>
                     </a:p>
                   </a:txBody>
                   <a:tcPr/>
@@ -7830,7 +7916,7 @@
           <p:nvPr>
             <p:extLst>
               <p:ext uri="{D42A27DB-BD31-4B8C-83A1-F6EECF244321}">
-                <p14:modId xmlns:p14="http://schemas.microsoft.com/office/powerpoint/2010/main" val="1581158316"/>
+                <p14:modId xmlns:p14="http://schemas.microsoft.com/office/powerpoint/2010/main" val="2173271358"/>
               </p:ext>
             </p:extLst>
           </p:nvPr>
@@ -7892,7 +7978,7 @@
                     <a:p>
                       <a:r>
                         <a:rPr lang="pl-PL" dirty="0"/>
-                        <a:t>Wynik</a:t>
+                        <a:t>R^2</a:t>
                       </a:r>
                     </a:p>
                   </a:txBody>
@@ -8241,15 +8327,7 @@
             </a:pPr>
             <a:r>
               <a:rPr lang="pl-PL" dirty="0"/>
-              <a:t>Używając danych o studentach z dwóch </a:t>
-            </a:r>
-            <a:r>
-              <a:rPr lang="pl-PL"/>
-              <a:t>Portugalskich szkół(https://www.apispreadsheets.com/datasets/110), </a:t>
-            </a:r>
-            <a:r>
-              <a:rPr lang="pl-PL" dirty="0"/>
-              <a:t>takich jak ich oceny cząstkowe oraz demograficzne, społeczne oraz szkolne czynniki wpływające na naukę. Nauczymy modele, które będą w stanie przewidzieć ocenę końcową danego studenta.</a:t>
+              <a:t>Używając danych o studentach z dwóch Portugalskich szkół, takich jak ich oceny cząstkowe oraz demograficzne, społeczne oraz szkolne czynniki wpływające na naukę. Nauczymy modele, które będą w stanie przewidzieć ocenę końcową danego studenta.</a:t>
             </a:r>
           </a:p>
         </p:txBody>
